--- a/Layered Architecture.pptx
+++ b/Layered Architecture.pptx
@@ -104,6 +104,11 @@
       </a:defRPr>
     </a:lvl9pPr>
   </p:defaultTextStyle>
+  <p:extLst>
+    <p:ext uri="{EFAFB233-063F-42B5-8137-9DF3F51BA10A}">
+      <p15:sldGuideLst xmlns:p15="http://schemas.microsoft.com/office/powerpoint/2012/main"/>
+    </p:ext>
+  </p:extLst>
 </p:presentation>
 </file>
 
@@ -3709,7 +3714,7 @@
           </p:nvSpPr>
           <p:spPr>
             <a:xfrm>
-              <a:off x="9453132" y="1928780"/>
+              <a:off x="9453132" y="2185955"/>
               <a:ext cx="151268" cy="152400"/>
             </a:xfrm>
             <a:prstGeom prst="blockArc">
@@ -4026,7 +4031,7 @@
           </p:nvSpPr>
           <p:spPr>
             <a:xfrm>
-              <a:off x="4203341" y="1924765"/>
+              <a:off x="4203341" y="2172415"/>
               <a:ext cx="151268" cy="152400"/>
             </a:xfrm>
             <a:prstGeom prst="blockArc">
@@ -4343,7 +4348,7 @@
           </p:nvSpPr>
           <p:spPr>
             <a:xfrm>
-              <a:off x="2470791" y="1924768"/>
+              <a:off x="2470791" y="2172418"/>
               <a:ext cx="151268" cy="152400"/>
             </a:xfrm>
             <a:prstGeom prst="blockArc">
@@ -4594,102 +4599,6 @@
             </a:p>
           </p:txBody>
         </p:sp>
-        <p:sp>
-          <p:nvSpPr>
-            <p:cNvPr id="53" name="Isosceles Triangle 52"/>
-            <p:cNvSpPr/>
-            <p:nvPr/>
-          </p:nvSpPr>
-          <p:spPr>
-            <a:xfrm>
-              <a:off x="5428913" y="1883850"/>
-              <a:ext cx="156754" cy="166168"/>
-            </a:xfrm>
-            <a:prstGeom prst="triangle">
-              <a:avLst/>
-            </a:prstGeom>
-            <a:solidFill>
-              <a:srgbClr val="FF0000"/>
-            </a:solidFill>
-            <a:ln>
-              <a:solidFill>
-                <a:schemeClr val="tx1"/>
-              </a:solidFill>
-            </a:ln>
-          </p:spPr>
-          <p:style>
-            <a:lnRef idx="2">
-              <a:schemeClr val="accent1">
-                <a:shade val="50000"/>
-              </a:schemeClr>
-            </a:lnRef>
-            <a:fillRef idx="1">
-              <a:schemeClr val="accent1"/>
-            </a:fillRef>
-            <a:effectRef idx="0">
-              <a:schemeClr val="accent1"/>
-            </a:effectRef>
-            <a:fontRef idx="minor">
-              <a:schemeClr val="lt1"/>
-            </a:fontRef>
-          </p:style>
-          <p:txBody>
-            <a:bodyPr rtlCol="0" anchor="ctr"/>
-            <a:lstStyle/>
-            <a:p>
-              <a:pPr algn="ctr"/>
-              <a:endParaRPr lang="en-US"/>
-            </a:p>
-          </p:txBody>
-        </p:sp>
-        <p:sp>
-          <p:nvSpPr>
-            <p:cNvPr id="54" name="Flowchart: Merge 53"/>
-            <p:cNvSpPr/>
-            <p:nvPr/>
-          </p:nvSpPr>
-          <p:spPr>
-            <a:xfrm>
-              <a:off x="2775674" y="1901680"/>
-              <a:ext cx="156754" cy="164592"/>
-            </a:xfrm>
-            <a:prstGeom prst="flowChartMerge">
-              <a:avLst/>
-            </a:prstGeom>
-            <a:solidFill>
-              <a:srgbClr val="FF0000"/>
-            </a:solidFill>
-            <a:ln>
-              <a:solidFill>
-                <a:schemeClr val="tx1"/>
-              </a:solidFill>
-            </a:ln>
-          </p:spPr>
-          <p:style>
-            <a:lnRef idx="2">
-              <a:schemeClr val="accent1">
-                <a:shade val="50000"/>
-              </a:schemeClr>
-            </a:lnRef>
-            <a:fillRef idx="1">
-              <a:schemeClr val="accent1"/>
-            </a:fillRef>
-            <a:effectRef idx="0">
-              <a:schemeClr val="accent1"/>
-            </a:effectRef>
-            <a:fontRef idx="minor">
-              <a:schemeClr val="lt1"/>
-            </a:fontRef>
-          </p:style>
-          <p:txBody>
-            <a:bodyPr rtlCol="0" anchor="ctr"/>
-            <a:lstStyle/>
-            <a:p>
-              <a:pPr algn="ctr"/>
-              <a:endParaRPr lang="en-US"/>
-            </a:p>
-          </p:txBody>
-        </p:sp>
         <p:cxnSp>
           <p:nvCxnSpPr>
             <p:cNvPr id="55" name="Straight Connector 54"/>
@@ -4868,6 +4777,102 @@
             </a:fontRef>
           </p:style>
         </p:cxnSp>
+        <p:sp>
+          <p:nvSpPr>
+            <p:cNvPr id="54" name="Flowchart: Merge 53"/>
+            <p:cNvSpPr/>
+            <p:nvPr/>
+          </p:nvSpPr>
+          <p:spPr>
+            <a:xfrm>
+              <a:off x="2775674" y="2177905"/>
+              <a:ext cx="156754" cy="164592"/>
+            </a:xfrm>
+            <a:prstGeom prst="flowChartMerge">
+              <a:avLst/>
+            </a:prstGeom>
+            <a:solidFill>
+              <a:srgbClr val="FF0000"/>
+            </a:solidFill>
+            <a:ln>
+              <a:solidFill>
+                <a:schemeClr val="tx1"/>
+              </a:solidFill>
+            </a:ln>
+          </p:spPr>
+          <p:style>
+            <a:lnRef idx="2">
+              <a:schemeClr val="accent1">
+                <a:shade val="50000"/>
+              </a:schemeClr>
+            </a:lnRef>
+            <a:fillRef idx="1">
+              <a:schemeClr val="accent1"/>
+            </a:fillRef>
+            <a:effectRef idx="0">
+              <a:schemeClr val="accent1"/>
+            </a:effectRef>
+            <a:fontRef idx="minor">
+              <a:schemeClr val="lt1"/>
+            </a:fontRef>
+          </p:style>
+          <p:txBody>
+            <a:bodyPr rtlCol="0" anchor="ctr"/>
+            <a:lstStyle/>
+            <a:p>
+              <a:pPr algn="ctr"/>
+              <a:endParaRPr lang="en-US"/>
+            </a:p>
+          </p:txBody>
+        </p:sp>
+        <p:sp>
+          <p:nvSpPr>
+            <p:cNvPr id="53" name="Isosceles Triangle 52"/>
+            <p:cNvSpPr/>
+            <p:nvPr/>
+          </p:nvSpPr>
+          <p:spPr>
+            <a:xfrm>
+              <a:off x="5428913" y="2169600"/>
+              <a:ext cx="156754" cy="166168"/>
+            </a:xfrm>
+            <a:prstGeom prst="triangle">
+              <a:avLst/>
+            </a:prstGeom>
+            <a:solidFill>
+              <a:srgbClr val="FF0000"/>
+            </a:solidFill>
+            <a:ln>
+              <a:solidFill>
+                <a:schemeClr val="tx1"/>
+              </a:solidFill>
+            </a:ln>
+          </p:spPr>
+          <p:style>
+            <a:lnRef idx="2">
+              <a:schemeClr val="accent1">
+                <a:shade val="50000"/>
+              </a:schemeClr>
+            </a:lnRef>
+            <a:fillRef idx="1">
+              <a:schemeClr val="accent1"/>
+            </a:fillRef>
+            <a:effectRef idx="0">
+              <a:schemeClr val="accent1"/>
+            </a:effectRef>
+            <a:fontRef idx="minor">
+              <a:schemeClr val="lt1"/>
+            </a:fontRef>
+          </p:style>
+          <p:txBody>
+            <a:bodyPr rtlCol="0" anchor="ctr"/>
+            <a:lstStyle/>
+            <a:p>
+              <a:pPr algn="ctr"/>
+              <a:endParaRPr lang="en-US"/>
+            </a:p>
+          </p:txBody>
+        </p:sp>
       </p:grpSp>
       <p:grpSp>
         <p:nvGrpSpPr>
@@ -4878,9 +4883,9 @@
         <p:grpSpPr>
           <a:xfrm>
             <a:off x="3840875" y="1601513"/>
-            <a:ext cx="2814099" cy="810433"/>
+            <a:ext cx="2814099" cy="906428"/>
             <a:chOff x="2771568" y="1611038"/>
-            <a:chExt cx="2814099" cy="810433"/>
+            <a:chExt cx="2814099" cy="906428"/>
           </a:xfrm>
         </p:grpSpPr>
         <p:sp>
@@ -4943,102 +4948,6 @@
               <a:ext cx="156754" cy="164913"/>
             </a:xfrm>
             <a:prstGeom prst="rect">
-              <a:avLst/>
-            </a:prstGeom>
-            <a:solidFill>
-              <a:srgbClr val="FF0000"/>
-            </a:solidFill>
-            <a:ln>
-              <a:solidFill>
-                <a:schemeClr val="tx1"/>
-              </a:solidFill>
-            </a:ln>
-          </p:spPr>
-          <p:style>
-            <a:lnRef idx="2">
-              <a:schemeClr val="accent1">
-                <a:shade val="50000"/>
-              </a:schemeClr>
-            </a:lnRef>
-            <a:fillRef idx="1">
-              <a:schemeClr val="accent1"/>
-            </a:fillRef>
-            <a:effectRef idx="0">
-              <a:schemeClr val="accent1"/>
-            </a:effectRef>
-            <a:fontRef idx="minor">
-              <a:schemeClr val="lt1"/>
-            </a:fontRef>
-          </p:style>
-          <p:txBody>
-            <a:bodyPr rtlCol="0" anchor="ctr"/>
-            <a:lstStyle/>
-            <a:p>
-              <a:pPr algn="ctr"/>
-              <a:endParaRPr lang="en-US"/>
-            </a:p>
-          </p:txBody>
-        </p:sp>
-        <p:sp>
-          <p:nvSpPr>
-            <p:cNvPr id="67" name="Isosceles Triangle 66"/>
-            <p:cNvSpPr/>
-            <p:nvPr/>
-          </p:nvSpPr>
-          <p:spPr>
-            <a:xfrm>
-              <a:off x="5428913" y="1883850"/>
-              <a:ext cx="156754" cy="166168"/>
-            </a:xfrm>
-            <a:prstGeom prst="triangle">
-              <a:avLst/>
-            </a:prstGeom>
-            <a:solidFill>
-              <a:srgbClr val="FF0000"/>
-            </a:solidFill>
-            <a:ln>
-              <a:solidFill>
-                <a:schemeClr val="tx1"/>
-              </a:solidFill>
-            </a:ln>
-          </p:spPr>
-          <p:style>
-            <a:lnRef idx="2">
-              <a:schemeClr val="accent1">
-                <a:shade val="50000"/>
-              </a:schemeClr>
-            </a:lnRef>
-            <a:fillRef idx="1">
-              <a:schemeClr val="accent1"/>
-            </a:fillRef>
-            <a:effectRef idx="0">
-              <a:schemeClr val="accent1"/>
-            </a:effectRef>
-            <a:fontRef idx="minor">
-              <a:schemeClr val="lt1"/>
-            </a:fontRef>
-          </p:style>
-          <p:txBody>
-            <a:bodyPr rtlCol="0" anchor="ctr"/>
-            <a:lstStyle/>
-            <a:p>
-              <a:pPr algn="ctr"/>
-              <a:endParaRPr lang="en-US"/>
-            </a:p>
-          </p:txBody>
-        </p:sp>
-        <p:sp>
-          <p:nvSpPr>
-            <p:cNvPr id="68" name="Flowchart: Merge 67"/>
-            <p:cNvSpPr/>
-            <p:nvPr/>
-          </p:nvSpPr>
-          <p:spPr>
-            <a:xfrm>
-              <a:off x="2775674" y="1901680"/>
-              <a:ext cx="156754" cy="164592"/>
-            </a:xfrm>
-            <a:prstGeom prst="flowChartMerge">
               <a:avLst/>
             </a:prstGeom>
             <a:solidFill>
@@ -5154,7 +5063,7 @@
           <p:spPr>
             <a:xfrm>
               <a:off x="2851995" y="2054260"/>
-              <a:ext cx="15418" cy="367211"/>
+              <a:ext cx="19449" cy="463206"/>
             </a:xfrm>
             <a:prstGeom prst="line">
               <a:avLst/>
@@ -5189,8 +5098,8 @@
           </p:nvCxnSpPr>
           <p:spPr>
             <a:xfrm flipH="1">
-              <a:off x="5507290" y="2041178"/>
-              <a:ext cx="4851" cy="358431"/>
+              <a:off x="5512141" y="2041178"/>
+              <a:ext cx="1" cy="463206"/>
             </a:xfrm>
             <a:prstGeom prst="line">
               <a:avLst/>
@@ -5225,7 +5134,7 @@
           </p:nvCxnSpPr>
           <p:spPr>
             <a:xfrm flipV="1">
-              <a:off x="2876465" y="2399609"/>
+              <a:off x="2876465" y="2504384"/>
               <a:ext cx="2643826" cy="13082"/>
             </a:xfrm>
             <a:prstGeom prst="line">
@@ -5253,6 +5162,102 @@
             </a:fontRef>
           </p:style>
         </p:cxnSp>
+        <p:sp>
+          <p:nvSpPr>
+            <p:cNvPr id="68" name="Flowchart: Merge 67"/>
+            <p:cNvSpPr/>
+            <p:nvPr/>
+          </p:nvSpPr>
+          <p:spPr>
+            <a:xfrm>
+              <a:off x="2775674" y="2177905"/>
+              <a:ext cx="156754" cy="164592"/>
+            </a:xfrm>
+            <a:prstGeom prst="flowChartMerge">
+              <a:avLst/>
+            </a:prstGeom>
+            <a:solidFill>
+              <a:srgbClr val="FF0000"/>
+            </a:solidFill>
+            <a:ln>
+              <a:solidFill>
+                <a:schemeClr val="tx1"/>
+              </a:solidFill>
+            </a:ln>
+          </p:spPr>
+          <p:style>
+            <a:lnRef idx="2">
+              <a:schemeClr val="accent1">
+                <a:shade val="50000"/>
+              </a:schemeClr>
+            </a:lnRef>
+            <a:fillRef idx="1">
+              <a:schemeClr val="accent1"/>
+            </a:fillRef>
+            <a:effectRef idx="0">
+              <a:schemeClr val="accent1"/>
+            </a:effectRef>
+            <a:fontRef idx="minor">
+              <a:schemeClr val="lt1"/>
+            </a:fontRef>
+          </p:style>
+          <p:txBody>
+            <a:bodyPr rtlCol="0" anchor="ctr"/>
+            <a:lstStyle/>
+            <a:p>
+              <a:pPr algn="ctr"/>
+              <a:endParaRPr lang="en-US"/>
+            </a:p>
+          </p:txBody>
+        </p:sp>
+        <p:sp>
+          <p:nvSpPr>
+            <p:cNvPr id="67" name="Isosceles Triangle 66"/>
+            <p:cNvSpPr/>
+            <p:nvPr/>
+          </p:nvSpPr>
+          <p:spPr>
+            <a:xfrm>
+              <a:off x="5428913" y="2179125"/>
+              <a:ext cx="156754" cy="166168"/>
+            </a:xfrm>
+            <a:prstGeom prst="triangle">
+              <a:avLst/>
+            </a:prstGeom>
+            <a:solidFill>
+              <a:srgbClr val="FF0000"/>
+            </a:solidFill>
+            <a:ln>
+              <a:solidFill>
+                <a:schemeClr val="tx1"/>
+              </a:solidFill>
+            </a:ln>
+          </p:spPr>
+          <p:style>
+            <a:lnRef idx="2">
+              <a:schemeClr val="accent1">
+                <a:shade val="50000"/>
+              </a:schemeClr>
+            </a:lnRef>
+            <a:fillRef idx="1">
+              <a:schemeClr val="accent1"/>
+            </a:fillRef>
+            <a:effectRef idx="0">
+              <a:schemeClr val="accent1"/>
+            </a:effectRef>
+            <a:fontRef idx="minor">
+              <a:schemeClr val="lt1"/>
+            </a:fontRef>
+          </p:style>
+          <p:txBody>
+            <a:bodyPr rtlCol="0" anchor="ctr"/>
+            <a:lstStyle/>
+            <a:p>
+              <a:pPr algn="ctr"/>
+              <a:endParaRPr lang="en-US"/>
+            </a:p>
+          </p:txBody>
+        </p:sp>
       </p:grpSp>
       <p:grpSp>
         <p:nvGrpSpPr>
@@ -5328,102 +5333,6 @@
               <a:ext cx="156754" cy="164913"/>
             </a:xfrm>
             <a:prstGeom prst="rect">
-              <a:avLst/>
-            </a:prstGeom>
-            <a:solidFill>
-              <a:srgbClr val="FF0000"/>
-            </a:solidFill>
-            <a:ln>
-              <a:solidFill>
-                <a:schemeClr val="tx1"/>
-              </a:solidFill>
-            </a:ln>
-          </p:spPr>
-          <p:style>
-            <a:lnRef idx="2">
-              <a:schemeClr val="accent1">
-                <a:shade val="50000"/>
-              </a:schemeClr>
-            </a:lnRef>
-            <a:fillRef idx="1">
-              <a:schemeClr val="accent1"/>
-            </a:fillRef>
-            <a:effectRef idx="0">
-              <a:schemeClr val="accent1"/>
-            </a:effectRef>
-            <a:fontRef idx="minor">
-              <a:schemeClr val="lt1"/>
-            </a:fontRef>
-          </p:style>
-          <p:txBody>
-            <a:bodyPr rtlCol="0" anchor="ctr"/>
-            <a:lstStyle/>
-            <a:p>
-              <a:pPr algn="ctr"/>
-              <a:endParaRPr lang="en-US"/>
-            </a:p>
-          </p:txBody>
-        </p:sp>
-        <p:sp>
-          <p:nvSpPr>
-            <p:cNvPr id="81" name="Isosceles Triangle 80"/>
-            <p:cNvSpPr/>
-            <p:nvPr/>
-          </p:nvSpPr>
-          <p:spPr>
-            <a:xfrm>
-              <a:off x="4447838" y="1883850"/>
-              <a:ext cx="156754" cy="166168"/>
-            </a:xfrm>
-            <a:prstGeom prst="triangle">
-              <a:avLst/>
-            </a:prstGeom>
-            <a:solidFill>
-              <a:srgbClr val="FF0000"/>
-            </a:solidFill>
-            <a:ln>
-              <a:solidFill>
-                <a:schemeClr val="tx1"/>
-              </a:solidFill>
-            </a:ln>
-          </p:spPr>
-          <p:style>
-            <a:lnRef idx="2">
-              <a:schemeClr val="accent1">
-                <a:shade val="50000"/>
-              </a:schemeClr>
-            </a:lnRef>
-            <a:fillRef idx="1">
-              <a:schemeClr val="accent1"/>
-            </a:fillRef>
-            <a:effectRef idx="0">
-              <a:schemeClr val="accent1"/>
-            </a:effectRef>
-            <a:fontRef idx="minor">
-              <a:schemeClr val="lt1"/>
-            </a:fontRef>
-          </p:style>
-          <p:txBody>
-            <a:bodyPr rtlCol="0" anchor="ctr"/>
-            <a:lstStyle/>
-            <a:p>
-              <a:pPr algn="ctr"/>
-              <a:endParaRPr lang="en-US"/>
-            </a:p>
-          </p:txBody>
-        </p:sp>
-        <p:sp>
-          <p:nvSpPr>
-            <p:cNvPr id="82" name="Flowchart: Merge 81"/>
-            <p:cNvSpPr/>
-            <p:nvPr/>
-          </p:nvSpPr>
-          <p:spPr>
-            <a:xfrm>
-              <a:off x="2775674" y="1901680"/>
-              <a:ext cx="156754" cy="164592"/>
-            </a:xfrm>
-            <a:prstGeom prst="flowChartMerge">
               <a:avLst/>
             </a:prstGeom>
             <a:solidFill>
@@ -5638,6 +5547,102 @@
             </a:fontRef>
           </p:style>
         </p:cxnSp>
+        <p:sp>
+          <p:nvSpPr>
+            <p:cNvPr id="82" name="Flowchart: Merge 81"/>
+            <p:cNvSpPr/>
+            <p:nvPr/>
+          </p:nvSpPr>
+          <p:spPr>
+            <a:xfrm>
+              <a:off x="2775674" y="2187430"/>
+              <a:ext cx="156754" cy="164592"/>
+            </a:xfrm>
+            <a:prstGeom prst="flowChartMerge">
+              <a:avLst/>
+            </a:prstGeom>
+            <a:solidFill>
+              <a:srgbClr val="FF0000"/>
+            </a:solidFill>
+            <a:ln>
+              <a:solidFill>
+                <a:schemeClr val="tx1"/>
+              </a:solidFill>
+            </a:ln>
+          </p:spPr>
+          <p:style>
+            <a:lnRef idx="2">
+              <a:schemeClr val="accent1">
+                <a:shade val="50000"/>
+              </a:schemeClr>
+            </a:lnRef>
+            <a:fillRef idx="1">
+              <a:schemeClr val="accent1"/>
+            </a:fillRef>
+            <a:effectRef idx="0">
+              <a:schemeClr val="accent1"/>
+            </a:effectRef>
+            <a:fontRef idx="minor">
+              <a:schemeClr val="lt1"/>
+            </a:fontRef>
+          </p:style>
+          <p:txBody>
+            <a:bodyPr rtlCol="0" anchor="ctr"/>
+            <a:lstStyle/>
+            <a:p>
+              <a:pPr algn="ctr"/>
+              <a:endParaRPr lang="en-US"/>
+            </a:p>
+          </p:txBody>
+        </p:sp>
+        <p:sp>
+          <p:nvSpPr>
+            <p:cNvPr id="81" name="Isosceles Triangle 80"/>
+            <p:cNvSpPr/>
+            <p:nvPr/>
+          </p:nvSpPr>
+          <p:spPr>
+            <a:xfrm>
+              <a:off x="4447838" y="2179125"/>
+              <a:ext cx="156754" cy="166168"/>
+            </a:xfrm>
+            <a:prstGeom prst="triangle">
+              <a:avLst/>
+            </a:prstGeom>
+            <a:solidFill>
+              <a:srgbClr val="FF0000"/>
+            </a:solidFill>
+            <a:ln>
+              <a:solidFill>
+                <a:schemeClr val="tx1"/>
+              </a:solidFill>
+            </a:ln>
+          </p:spPr>
+          <p:style>
+            <a:lnRef idx="2">
+              <a:schemeClr val="accent1">
+                <a:shade val="50000"/>
+              </a:schemeClr>
+            </a:lnRef>
+            <a:fillRef idx="1">
+              <a:schemeClr val="accent1"/>
+            </a:fillRef>
+            <a:effectRef idx="0">
+              <a:schemeClr val="accent1"/>
+            </a:effectRef>
+            <a:fontRef idx="minor">
+              <a:schemeClr val="lt1"/>
+            </a:fontRef>
+          </p:style>
+          <p:txBody>
+            <a:bodyPr rtlCol="0" anchor="ctr"/>
+            <a:lstStyle/>
+            <a:p>
+              <a:pPr algn="ctr"/>
+              <a:endParaRPr lang="en-US"/>
+            </a:p>
+          </p:txBody>
+        </p:sp>
       </p:grpSp>
       <p:grpSp>
         <p:nvGrpSpPr>
@@ -5713,102 +5718,6 @@
               <a:ext cx="156754" cy="164913"/>
             </a:xfrm>
             <a:prstGeom prst="rect">
-              <a:avLst/>
-            </a:prstGeom>
-            <a:solidFill>
-              <a:srgbClr val="FF0000"/>
-            </a:solidFill>
-            <a:ln>
-              <a:solidFill>
-                <a:schemeClr val="tx1"/>
-              </a:solidFill>
-            </a:ln>
-          </p:spPr>
-          <p:style>
-            <a:lnRef idx="2">
-              <a:schemeClr val="accent1">
-                <a:shade val="50000"/>
-              </a:schemeClr>
-            </a:lnRef>
-            <a:fillRef idx="1">
-              <a:schemeClr val="accent1"/>
-            </a:fillRef>
-            <a:effectRef idx="0">
-              <a:schemeClr val="accent1"/>
-            </a:effectRef>
-            <a:fontRef idx="minor">
-              <a:schemeClr val="lt1"/>
-            </a:fontRef>
-          </p:style>
-          <p:txBody>
-            <a:bodyPr rtlCol="0" anchor="ctr"/>
-            <a:lstStyle/>
-            <a:p>
-              <a:pPr algn="ctr"/>
-              <a:endParaRPr lang="en-US"/>
-            </a:p>
-          </p:txBody>
-        </p:sp>
-        <p:sp>
-          <p:nvSpPr>
-            <p:cNvPr id="92" name="Isosceles Triangle 91"/>
-            <p:cNvSpPr/>
-            <p:nvPr/>
-          </p:nvSpPr>
-          <p:spPr>
-            <a:xfrm>
-              <a:off x="4447838" y="1883850"/>
-              <a:ext cx="156754" cy="166168"/>
-            </a:xfrm>
-            <a:prstGeom prst="triangle">
-              <a:avLst/>
-            </a:prstGeom>
-            <a:solidFill>
-              <a:srgbClr val="FF0000"/>
-            </a:solidFill>
-            <a:ln>
-              <a:solidFill>
-                <a:schemeClr val="tx1"/>
-              </a:solidFill>
-            </a:ln>
-          </p:spPr>
-          <p:style>
-            <a:lnRef idx="2">
-              <a:schemeClr val="accent1">
-                <a:shade val="50000"/>
-              </a:schemeClr>
-            </a:lnRef>
-            <a:fillRef idx="1">
-              <a:schemeClr val="accent1"/>
-            </a:fillRef>
-            <a:effectRef idx="0">
-              <a:schemeClr val="accent1"/>
-            </a:effectRef>
-            <a:fontRef idx="minor">
-              <a:schemeClr val="lt1"/>
-            </a:fontRef>
-          </p:style>
-          <p:txBody>
-            <a:bodyPr rtlCol="0" anchor="ctr"/>
-            <a:lstStyle/>
-            <a:p>
-              <a:pPr algn="ctr"/>
-              <a:endParaRPr lang="en-US"/>
-            </a:p>
-          </p:txBody>
-        </p:sp>
-        <p:sp>
-          <p:nvSpPr>
-            <p:cNvPr id="93" name="Flowchart: Merge 92"/>
-            <p:cNvSpPr/>
-            <p:nvPr/>
-          </p:nvSpPr>
-          <p:spPr>
-            <a:xfrm>
-              <a:off x="2775674" y="1901680"/>
-              <a:ext cx="156754" cy="164592"/>
-            </a:xfrm>
-            <a:prstGeom prst="flowChartMerge">
               <a:avLst/>
             </a:prstGeom>
             <a:solidFill>
@@ -6023,6 +5932,102 @@
             </a:fontRef>
           </p:style>
         </p:cxnSp>
+        <p:sp>
+          <p:nvSpPr>
+            <p:cNvPr id="93" name="Flowchart: Merge 92"/>
+            <p:cNvSpPr/>
+            <p:nvPr/>
+          </p:nvSpPr>
+          <p:spPr>
+            <a:xfrm>
+              <a:off x="2775674" y="2187430"/>
+              <a:ext cx="156754" cy="164592"/>
+            </a:xfrm>
+            <a:prstGeom prst="flowChartMerge">
+              <a:avLst/>
+            </a:prstGeom>
+            <a:solidFill>
+              <a:srgbClr val="FF0000"/>
+            </a:solidFill>
+            <a:ln>
+              <a:solidFill>
+                <a:schemeClr val="tx1"/>
+              </a:solidFill>
+            </a:ln>
+          </p:spPr>
+          <p:style>
+            <a:lnRef idx="2">
+              <a:schemeClr val="accent1">
+                <a:shade val="50000"/>
+              </a:schemeClr>
+            </a:lnRef>
+            <a:fillRef idx="1">
+              <a:schemeClr val="accent1"/>
+            </a:fillRef>
+            <a:effectRef idx="0">
+              <a:schemeClr val="accent1"/>
+            </a:effectRef>
+            <a:fontRef idx="minor">
+              <a:schemeClr val="lt1"/>
+            </a:fontRef>
+          </p:style>
+          <p:txBody>
+            <a:bodyPr rtlCol="0" anchor="ctr"/>
+            <a:lstStyle/>
+            <a:p>
+              <a:pPr algn="ctr"/>
+              <a:endParaRPr lang="en-US"/>
+            </a:p>
+          </p:txBody>
+        </p:sp>
+        <p:sp>
+          <p:nvSpPr>
+            <p:cNvPr id="92" name="Isosceles Triangle 91"/>
+            <p:cNvSpPr/>
+            <p:nvPr/>
+          </p:nvSpPr>
+          <p:spPr>
+            <a:xfrm>
+              <a:off x="4447838" y="2179125"/>
+              <a:ext cx="156754" cy="166168"/>
+            </a:xfrm>
+            <a:prstGeom prst="triangle">
+              <a:avLst/>
+            </a:prstGeom>
+            <a:solidFill>
+              <a:srgbClr val="FF0000"/>
+            </a:solidFill>
+            <a:ln>
+              <a:solidFill>
+                <a:schemeClr val="tx1"/>
+              </a:solidFill>
+            </a:ln>
+          </p:spPr>
+          <p:style>
+            <a:lnRef idx="2">
+              <a:schemeClr val="accent1">
+                <a:shade val="50000"/>
+              </a:schemeClr>
+            </a:lnRef>
+            <a:fillRef idx="1">
+              <a:schemeClr val="accent1"/>
+            </a:fillRef>
+            <a:effectRef idx="0">
+              <a:schemeClr val="accent1"/>
+            </a:effectRef>
+            <a:fontRef idx="minor">
+              <a:schemeClr val="lt1"/>
+            </a:fontRef>
+          </p:style>
+          <p:txBody>
+            <a:bodyPr rtlCol="0" anchor="ctr"/>
+            <a:lstStyle/>
+            <a:p>
+              <a:pPr algn="ctr"/>
+              <a:endParaRPr lang="en-US"/>
+            </a:p>
+          </p:txBody>
+        </p:sp>
       </p:grpSp>
     </p:spTree>
     <p:extLst>
